--- a/기본프로그래밍_Java_005(자쌈빠)_A1.pptx
+++ b/기본프로그래밍_Java_005(자쌈빠)_A1.pptx
@@ -18,18 +18,18 @@
   <p:notesSz cx="6858000" cy="9144000"/>
   <p:embeddedFontLst>
     <p:embeddedFont>
+      <p:font typeface="Helvetica Neue" panose="020B0604020202020204" charset="0"/>
+      <p:regular r:id="rId8"/>
+      <p:bold r:id="rId9"/>
+      <p:italic r:id="rId10"/>
+      <p:boldItalic r:id="rId11"/>
+    </p:embeddedFont>
+    <p:embeddedFont>
       <p:font typeface="Cambria Math" panose="02040503050406030204" pitchFamily="18" charset="0"/>
-      <p:regular r:id="rId8"/>
+      <p:regular r:id="rId12"/>
     </p:embeddedFont>
     <p:embeddedFont>
       <p:font typeface="Verdana" panose="020B0604030504040204" pitchFamily="34" charset="0"/>
-      <p:regular r:id="rId9"/>
-      <p:bold r:id="rId10"/>
-      <p:italic r:id="rId11"/>
-      <p:boldItalic r:id="rId12"/>
-    </p:embeddedFont>
-    <p:embeddedFont>
-      <p:font typeface="Helvetica Neue" panose="020B0604020202020204" charset="0"/>
       <p:regular r:id="rId13"/>
       <p:bold r:id="rId14"/>
       <p:italic r:id="rId15"/>
@@ -14284,6 +14284,30 @@
               <a:t>프로그래밍</a:t>
             </a:r>
             <a:r>
+              <a:rPr lang="en-US" sz="15300" b="1" i="0" u="none" strike="noStrike" cap="none" smtClean="0">
+                <a:solidFill>
+                  <a:schemeClr val="accent1"/>
+                </a:solidFill>
+                <a:latin typeface="Verdana"/>
+                <a:ea typeface="Verdana"/>
+                <a:cs typeface="Verdana"/>
+                <a:sym typeface="Verdana"/>
+              </a:rPr>
+              <a:t> </a:t>
+            </a:r>
+            <a:r>
+              <a:rPr lang="en-US" sz="15300" b="1" i="0" u="none" strike="noStrike" cap="none" smtClean="0">
+                <a:solidFill>
+                  <a:schemeClr val="accent1"/>
+                </a:solidFill>
+                <a:latin typeface="Verdana"/>
+                <a:ea typeface="Verdana"/>
+                <a:cs typeface="Verdana"/>
+                <a:sym typeface="Verdana"/>
+              </a:rPr>
+              <a:t>05(A1</a:t>
+            </a:r>
+            <a:r>
               <a:rPr lang="en-US" sz="15300" b="1" i="0" u="none" strike="noStrike" cap="none" dirty="0" smtClean="0">
                 <a:solidFill>
                   <a:schemeClr val="accent1"/>
@@ -14293,7 +14317,7 @@
                 <a:cs typeface="Verdana"/>
                 <a:sym typeface="Verdana"/>
               </a:rPr>
-              <a:t> 03(A1)</a:t>
+              <a:t>)</a:t>
             </a:r>
             <a:br>
               <a:rPr lang="en-US" sz="15300" b="1" i="0" u="none" strike="noStrike" cap="none" dirty="0" smtClean="0">
